--- a/Figures/main_task.pptx
+++ b/Figures/main_task.pptx
@@ -771,7 +771,7 @@
           <a:p>
             <a:fld id="{A5AA5C55-A83A-4B97-BE65-EDBCFB19C978}" type="datetimeFigureOut">
               <a:rPr lang="es-ES" smtClean="0"/>
-              <a:t>26/07/2025</a:t>
+              <a:t>15/9/25</a:t>
             </a:fld>
             <a:endParaRPr lang="es-ES"/>
           </a:p>
@@ -941,7 +941,7 @@
           <a:p>
             <a:fld id="{A5AA5C55-A83A-4B97-BE65-EDBCFB19C978}" type="datetimeFigureOut">
               <a:rPr lang="es-ES" smtClean="0"/>
-              <a:t>26/07/2025</a:t>
+              <a:t>15/9/25</a:t>
             </a:fld>
             <a:endParaRPr lang="es-ES"/>
           </a:p>
@@ -1121,7 +1121,7 @@
           <a:p>
             <a:fld id="{A5AA5C55-A83A-4B97-BE65-EDBCFB19C978}" type="datetimeFigureOut">
               <a:rPr lang="es-ES" smtClean="0"/>
-              <a:t>26/07/2025</a:t>
+              <a:t>15/9/25</a:t>
             </a:fld>
             <a:endParaRPr lang="es-ES"/>
           </a:p>
@@ -1291,7 +1291,7 @@
           <a:p>
             <a:fld id="{A5AA5C55-A83A-4B97-BE65-EDBCFB19C978}" type="datetimeFigureOut">
               <a:rPr lang="es-ES" smtClean="0"/>
-              <a:t>26/07/2025</a:t>
+              <a:t>15/9/25</a:t>
             </a:fld>
             <a:endParaRPr lang="es-ES"/>
           </a:p>
@@ -1537,7 +1537,7 @@
           <a:p>
             <a:fld id="{A5AA5C55-A83A-4B97-BE65-EDBCFB19C978}" type="datetimeFigureOut">
               <a:rPr lang="es-ES" smtClean="0"/>
-              <a:t>26/07/2025</a:t>
+              <a:t>15/9/25</a:t>
             </a:fld>
             <a:endParaRPr lang="es-ES"/>
           </a:p>
@@ -1769,7 +1769,7 @@
           <a:p>
             <a:fld id="{A5AA5C55-A83A-4B97-BE65-EDBCFB19C978}" type="datetimeFigureOut">
               <a:rPr lang="es-ES" smtClean="0"/>
-              <a:t>26/07/2025</a:t>
+              <a:t>15/9/25</a:t>
             </a:fld>
             <a:endParaRPr lang="es-ES"/>
           </a:p>
@@ -2136,7 +2136,7 @@
           <a:p>
             <a:fld id="{A5AA5C55-A83A-4B97-BE65-EDBCFB19C978}" type="datetimeFigureOut">
               <a:rPr lang="es-ES" smtClean="0"/>
-              <a:t>26/07/2025</a:t>
+              <a:t>15/9/25</a:t>
             </a:fld>
             <a:endParaRPr lang="es-ES"/>
           </a:p>
@@ -2254,7 +2254,7 @@
           <a:p>
             <a:fld id="{A5AA5C55-A83A-4B97-BE65-EDBCFB19C978}" type="datetimeFigureOut">
               <a:rPr lang="es-ES" smtClean="0"/>
-              <a:t>26/07/2025</a:t>
+              <a:t>15/9/25</a:t>
             </a:fld>
             <a:endParaRPr lang="es-ES"/>
           </a:p>
@@ -2349,7 +2349,7 @@
           <a:p>
             <a:fld id="{A5AA5C55-A83A-4B97-BE65-EDBCFB19C978}" type="datetimeFigureOut">
               <a:rPr lang="es-ES" smtClean="0"/>
-              <a:t>26/07/2025</a:t>
+              <a:t>15/9/25</a:t>
             </a:fld>
             <a:endParaRPr lang="es-ES"/>
           </a:p>
@@ -2626,7 +2626,7 @@
           <a:p>
             <a:fld id="{A5AA5C55-A83A-4B97-BE65-EDBCFB19C978}" type="datetimeFigureOut">
               <a:rPr lang="es-ES" smtClean="0"/>
-              <a:t>26/07/2025</a:t>
+              <a:t>15/9/25</a:t>
             </a:fld>
             <a:endParaRPr lang="es-ES"/>
           </a:p>
@@ -2883,7 +2883,7 @@
           <a:p>
             <a:fld id="{A5AA5C55-A83A-4B97-BE65-EDBCFB19C978}" type="datetimeFigureOut">
               <a:rPr lang="es-ES" smtClean="0"/>
-              <a:t>26/07/2025</a:t>
+              <a:t>15/9/25</a:t>
             </a:fld>
             <a:endParaRPr lang="es-ES"/>
           </a:p>
@@ -3096,7 +3096,7 @@
           <a:p>
             <a:fld id="{A5AA5C55-A83A-4B97-BE65-EDBCFB19C978}" type="datetimeFigureOut">
               <a:rPr lang="es-ES" smtClean="0"/>
-              <a:t>26/07/2025</a:t>
+              <a:t>15/9/25</a:t>
             </a:fld>
             <a:endParaRPr lang="es-ES"/>
           </a:p>
